--- a/work/kat/Project PP - web app outlines.pptx
+++ b/work/kat/Project PP - web app outlines.pptx
@@ -108,7 +108,41 @@
       </a:defRPr>
     </a:lvl9pPr>
   </p:defaultTextStyle>
+  <p:extLst>
+    <p:ext uri="{EFAFB233-063F-42B5-8137-9DF3F51BA10A}">
+      <p15:sldGuideLst xmlns:p15="http://schemas.microsoft.com/office/powerpoint/2012/main"/>
+    </p:ext>
+  </p:extLst>
 </p:presentation>
+</file>
+
+<file path=ppt/changesInfos/changesInfo1.xml><?xml version="1.0" encoding="utf-8"?>
+<pc:chgInfo xmlns:a="http://schemas.openxmlformats.org/drawingml/2006/main" xmlns:r="http://schemas.openxmlformats.org/officeDocument/2006/relationships" xmlns:ac="http://schemas.microsoft.com/office/drawing/2013/main/command" xmlns:pc="http://schemas.microsoft.com/office/powerpoint/2013/main/command">
+  <pc:docChgLst>
+    <pc:chgData name="Katherine Shamai" userId="1d9b402b02511d1e" providerId="LiveId" clId="{EB9A7BFC-9027-421E-B9A8-0CD7CC176D23}"/>
+    <pc:docChg chg="modSld">
+      <pc:chgData name="Katherine Shamai" userId="1d9b402b02511d1e" providerId="LiveId" clId="{EB9A7BFC-9027-421E-B9A8-0CD7CC176D23}" dt="2020-10-23T22:38:00.388" v="29" actId="20577"/>
+      <pc:docMkLst>
+        <pc:docMk/>
+      </pc:docMkLst>
+      <pc:sldChg chg="addSp modSp mod">
+        <pc:chgData name="Katherine Shamai" userId="1d9b402b02511d1e" providerId="LiveId" clId="{EB9A7BFC-9027-421E-B9A8-0CD7CC176D23}" dt="2020-10-23T22:38:00.388" v="29" actId="20577"/>
+        <pc:sldMkLst>
+          <pc:docMk/>
+          <pc:sldMk cId="4267678481" sldId="256"/>
+        </pc:sldMkLst>
+        <pc:spChg chg="add mod">
+          <ac:chgData name="Katherine Shamai" userId="1d9b402b02511d1e" providerId="LiveId" clId="{EB9A7BFC-9027-421E-B9A8-0CD7CC176D23}" dt="2020-10-23T22:38:00.388" v="29" actId="20577"/>
+          <ac:spMkLst>
+            <pc:docMk/>
+            <pc:sldMk cId="4267678481" sldId="256"/>
+            <ac:spMk id="2" creationId="{787824DE-7AC0-4E16-8C91-053DF4211111}"/>
+          </ac:spMkLst>
+        </pc:spChg>
+      </pc:sldChg>
+    </pc:docChg>
+  </pc:docChgLst>
+</pc:chgInfo>
 </file>
 
 <file path=ppt/slideLayouts/slideLayout1.xml><?xml version="1.0" encoding="utf-8"?>
@@ -242,7 +276,7 @@
           <a:p>
             <a:fld id="{F56ACEE5-B2F6-4740-955D-A2AA40550E31}" type="datetimeFigureOut">
               <a:rPr lang="en-AU" smtClean="0"/>
-              <a:t>23/10/2020</a:t>
+              <a:t>24/10/2020</a:t>
             </a:fld>
             <a:endParaRPr lang="en-AU"/>
           </a:p>
@@ -412,7 +446,7 @@
           <a:p>
             <a:fld id="{F56ACEE5-B2F6-4740-955D-A2AA40550E31}" type="datetimeFigureOut">
               <a:rPr lang="en-AU" smtClean="0"/>
-              <a:t>23/10/2020</a:t>
+              <a:t>24/10/2020</a:t>
             </a:fld>
             <a:endParaRPr lang="en-AU"/>
           </a:p>
@@ -592,7 +626,7 @@
           <a:p>
             <a:fld id="{F56ACEE5-B2F6-4740-955D-A2AA40550E31}" type="datetimeFigureOut">
               <a:rPr lang="en-AU" smtClean="0"/>
-              <a:t>23/10/2020</a:t>
+              <a:t>24/10/2020</a:t>
             </a:fld>
             <a:endParaRPr lang="en-AU"/>
           </a:p>
@@ -762,7 +796,7 @@
           <a:p>
             <a:fld id="{F56ACEE5-B2F6-4740-955D-A2AA40550E31}" type="datetimeFigureOut">
               <a:rPr lang="en-AU" smtClean="0"/>
-              <a:t>23/10/2020</a:t>
+              <a:t>24/10/2020</a:t>
             </a:fld>
             <a:endParaRPr lang="en-AU"/>
           </a:p>
@@ -1006,7 +1040,7 @@
           <a:p>
             <a:fld id="{F56ACEE5-B2F6-4740-955D-A2AA40550E31}" type="datetimeFigureOut">
               <a:rPr lang="en-AU" smtClean="0"/>
-              <a:t>23/10/2020</a:t>
+              <a:t>24/10/2020</a:t>
             </a:fld>
             <a:endParaRPr lang="en-AU"/>
           </a:p>
@@ -1238,7 +1272,7 @@
           <a:p>
             <a:fld id="{F56ACEE5-B2F6-4740-955D-A2AA40550E31}" type="datetimeFigureOut">
               <a:rPr lang="en-AU" smtClean="0"/>
-              <a:t>23/10/2020</a:t>
+              <a:t>24/10/2020</a:t>
             </a:fld>
             <a:endParaRPr lang="en-AU"/>
           </a:p>
@@ -1605,7 +1639,7 @@
           <a:p>
             <a:fld id="{F56ACEE5-B2F6-4740-955D-A2AA40550E31}" type="datetimeFigureOut">
               <a:rPr lang="en-AU" smtClean="0"/>
-              <a:t>23/10/2020</a:t>
+              <a:t>24/10/2020</a:t>
             </a:fld>
             <a:endParaRPr lang="en-AU"/>
           </a:p>
@@ -1723,7 +1757,7 @@
           <a:p>
             <a:fld id="{F56ACEE5-B2F6-4740-955D-A2AA40550E31}" type="datetimeFigureOut">
               <a:rPr lang="en-AU" smtClean="0"/>
-              <a:t>23/10/2020</a:t>
+              <a:t>24/10/2020</a:t>
             </a:fld>
             <a:endParaRPr lang="en-AU"/>
           </a:p>
@@ -1818,7 +1852,7 @@
           <a:p>
             <a:fld id="{F56ACEE5-B2F6-4740-955D-A2AA40550E31}" type="datetimeFigureOut">
               <a:rPr lang="en-AU" smtClean="0"/>
-              <a:t>23/10/2020</a:t>
+              <a:t>24/10/2020</a:t>
             </a:fld>
             <a:endParaRPr lang="en-AU"/>
           </a:p>
@@ -2095,7 +2129,7 @@
           <a:p>
             <a:fld id="{F56ACEE5-B2F6-4740-955D-A2AA40550E31}" type="datetimeFigureOut">
               <a:rPr lang="en-AU" smtClean="0"/>
-              <a:t>23/10/2020</a:t>
+              <a:t>24/10/2020</a:t>
             </a:fld>
             <a:endParaRPr lang="en-AU"/>
           </a:p>
@@ -2352,7 +2386,7 @@
           <a:p>
             <a:fld id="{F56ACEE5-B2F6-4740-955D-A2AA40550E31}" type="datetimeFigureOut">
               <a:rPr lang="en-AU" smtClean="0"/>
-              <a:t>23/10/2020</a:t>
+              <a:t>24/10/2020</a:t>
             </a:fld>
             <a:endParaRPr lang="en-AU"/>
           </a:p>
@@ -2565,7 +2599,7 @@
           <a:p>
             <a:fld id="{F56ACEE5-B2F6-4740-955D-A2AA40550E31}" type="datetimeFigureOut">
               <a:rPr lang="en-AU" smtClean="0"/>
-              <a:t>23/10/2020</a:t>
+              <a:t>24/10/2020</a:t>
             </a:fld>
             <a:endParaRPr lang="en-AU"/>
           </a:p>
@@ -3687,6 +3721,56 @@
           </a:p>
         </p:txBody>
       </p:sp>
+      <p:sp>
+        <p:nvSpPr>
+          <p:cNvPr id="2" name="Rectangle 1">
+            <a:extLst>
+              <a:ext uri="{FF2B5EF4-FFF2-40B4-BE49-F238E27FC236}">
+                <a16:creationId xmlns:a16="http://schemas.microsoft.com/office/drawing/2014/main" id="{787824DE-7AC0-4E16-8C91-053DF4211111}"/>
+              </a:ext>
+            </a:extLst>
+          </p:cNvPr>
+          <p:cNvSpPr/>
+          <p:nvPr/>
+        </p:nvSpPr>
+        <p:spPr>
+          <a:xfrm>
+            <a:off x="465085" y="11385330"/>
+            <a:ext cx="2017986" cy="562304"/>
+          </a:xfrm>
+          <a:prstGeom prst="rect">
+            <a:avLst/>
+          </a:prstGeom>
+        </p:spPr>
+        <p:style>
+          <a:lnRef idx="2">
+            <a:schemeClr val="accent4">
+              <a:shade val="50000"/>
+            </a:schemeClr>
+          </a:lnRef>
+          <a:fillRef idx="1">
+            <a:schemeClr val="accent4"/>
+          </a:fillRef>
+          <a:effectRef idx="0">
+            <a:schemeClr val="accent4"/>
+          </a:effectRef>
+          <a:fontRef idx="minor">
+            <a:schemeClr val="lt1"/>
+          </a:fontRef>
+        </p:style>
+        <p:txBody>
+          <a:bodyPr rtlCol="0" anchor="ctr"/>
+          <a:lstStyle/>
+          <a:p>
+            <a:pPr algn="ctr"/>
+            <a:r>
+              <a:rPr lang="en-US" dirty="0"/>
+              <a:t>Geographic filter?</a:t>
+            </a:r>
+            <a:endParaRPr lang="en-AU" dirty="0"/>
+          </a:p>
+        </p:txBody>
+      </p:sp>
     </p:spTree>
     <p:extLst>
       <p:ext uri="{BB962C8B-B14F-4D97-AF65-F5344CB8AC3E}">
